--- a/asset_creation.pptx
+++ b/asset_creation.pptx
@@ -104,6 +104,11 @@
       </a:defRPr>
     </a:lvl9pPr>
   </p:defaultTextStyle>
+  <p:extLst>
+    <p:ext uri="{EFAFB233-063F-42B5-8137-9DF3F51BA10A}">
+      <p15:sldGuideLst xmlns:p15="http://schemas.microsoft.com/office/powerpoint/2012/main"/>
+    </p:ext>
+  </p:extLst>
 </p:presentation>
 </file>
 
@@ -3344,30 +3349,30 @@
       </p:grpSpPr>
       <p:sp>
         <p:nvSpPr>
-          <p:cNvPr id="7" name="Rectangle 6">
-            <a:extLst>
-              <a:ext uri="{FF2B5EF4-FFF2-40B4-BE49-F238E27FC236}">
-                <a16:creationId xmlns:a16="http://schemas.microsoft.com/office/drawing/2014/main" id="{A4A23FC8-732C-C565-16DA-722D83689C85}"/>
-              </a:ext>
-            </a:extLst>
-          </p:cNvPr>
-          <p:cNvSpPr>
-            <a:spLocks/>
+          <p:cNvPr id="33" name="Rectangle 32">
+            <a:extLst>
+              <a:ext uri="{FF2B5EF4-FFF2-40B4-BE49-F238E27FC236}">
+                <a16:creationId xmlns:a16="http://schemas.microsoft.com/office/drawing/2014/main" id="{1F756D80-C885-9CF8-0580-1785647F2FD9}"/>
+              </a:ext>
+            </a:extLst>
+          </p:cNvPr>
+          <p:cNvSpPr>
+            <a:spLocks noGrp="1" noRot="1" noMove="1" noResize="1" noEditPoints="1" noAdjustHandles="1" noChangeArrowheads="1" noChangeShapeType="1"/>
           </p:cNvSpPr>
           <p:nvPr/>
         </p:nvSpPr>
         <p:spPr>
           <a:xfrm>
-            <a:off x="4267200" y="2128838"/>
-            <a:ext cx="242309" cy="242313"/>
+            <a:off x="4305300" y="641591"/>
+            <a:ext cx="228600" cy="222803"/>
           </a:xfrm>
           <a:prstGeom prst="rect">
             <a:avLst/>
           </a:prstGeom>
           <a:solidFill>
-            <a:schemeClr val="bg1"/>
+            <a:srgbClr val="FF0000"/>
           </a:solidFill>
-          <a:ln>
+          <a:ln w="6350">
             <a:solidFill>
               <a:schemeClr val="tx1"/>
             </a:solidFill>
@@ -3400,10 +3405,10 @@
       </p:sp>
       <p:sp>
         <p:nvSpPr>
-          <p:cNvPr id="4" name="Rectangle 3">
-            <a:extLst>
-              <a:ext uri="{FF2B5EF4-FFF2-40B4-BE49-F238E27FC236}">
-                <a16:creationId xmlns:a16="http://schemas.microsoft.com/office/drawing/2014/main" id="{BDCC3898-5E09-9F82-AEE3-76C20B6E0CA2}"/>
+          <p:cNvPr id="34" name="Rectangle 33">
+            <a:extLst>
+              <a:ext uri="{FF2B5EF4-FFF2-40B4-BE49-F238E27FC236}">
+                <a16:creationId xmlns:a16="http://schemas.microsoft.com/office/drawing/2014/main" id="{00CEB352-C208-6F6E-8709-1DFACF056A57}"/>
               </a:ext>
             </a:extLst>
           </p:cNvPr>
@@ -3414,64 +3419,8 @@
         </p:nvSpPr>
         <p:spPr>
           <a:xfrm>
-            <a:off x="4267200" y="2128838"/>
-            <a:ext cx="230400" cy="230400"/>
-          </a:xfrm>
-          <a:prstGeom prst="rect">
-            <a:avLst/>
-          </a:prstGeom>
-          <a:solidFill>
-            <a:srgbClr val="7030A0"/>
-          </a:solidFill>
-          <a:ln w="12700">
-            <a:solidFill>
-              <a:srgbClr val="7030A0"/>
-            </a:solidFill>
-          </a:ln>
-        </p:spPr>
-        <p:style>
-          <a:lnRef idx="2">
-            <a:schemeClr val="accent1">
-              <a:shade val="50000"/>
-            </a:schemeClr>
-          </a:lnRef>
-          <a:fillRef idx="1">
-            <a:schemeClr val="accent1"/>
-          </a:fillRef>
-          <a:effectRef idx="0">
-            <a:schemeClr val="accent1"/>
-          </a:effectRef>
-          <a:fontRef idx="minor">
-            <a:schemeClr val="lt1"/>
-          </a:fontRef>
-        </p:style>
-        <p:txBody>
-          <a:bodyPr rtlCol="0" anchor="ctr"/>
-          <a:lstStyle/>
-          <a:p>
-            <a:pPr algn="ctr"/>
-            <a:endParaRPr lang="en-SG"/>
-          </a:p>
-        </p:txBody>
-      </p:sp>
-      <p:sp>
-        <p:nvSpPr>
-          <p:cNvPr id="6" name="Rectangle 5">
-            <a:extLst>
-              <a:ext uri="{FF2B5EF4-FFF2-40B4-BE49-F238E27FC236}">
-                <a16:creationId xmlns:a16="http://schemas.microsoft.com/office/drawing/2014/main" id="{D909A3DB-798B-58BE-125D-AEF8182DE49B}"/>
-              </a:ext>
-            </a:extLst>
-          </p:cNvPr>
-          <p:cNvSpPr>
-            <a:spLocks/>
-          </p:cNvSpPr>
-          <p:nvPr/>
-        </p:nvSpPr>
-        <p:spPr>
-          <a:xfrm>
-            <a:off x="4267200" y="2128838"/>
-            <a:ext cx="54000" cy="54000"/>
+            <a:off x="4314824" y="651115"/>
+            <a:ext cx="53578" cy="52219"/>
           </a:xfrm>
           <a:prstGeom prst="rect">
             <a:avLst/>
@@ -3512,30 +3461,30 @@
       </p:sp>
       <p:sp>
         <p:nvSpPr>
-          <p:cNvPr id="17" name="Rectangle 16">
-            <a:extLst>
-              <a:ext uri="{FF2B5EF4-FFF2-40B4-BE49-F238E27FC236}">
-                <a16:creationId xmlns:a16="http://schemas.microsoft.com/office/drawing/2014/main" id="{BA5B69E1-4461-29D4-21E8-AD0A1D9B6F11}"/>
-              </a:ext>
-            </a:extLst>
-          </p:cNvPr>
-          <p:cNvSpPr>
-            <a:spLocks/>
+          <p:cNvPr id="5" name="Rectangle 4">
+            <a:extLst>
+              <a:ext uri="{FF2B5EF4-FFF2-40B4-BE49-F238E27FC236}">
+                <a16:creationId xmlns:a16="http://schemas.microsoft.com/office/drawing/2014/main" id="{E3A09042-FDB3-CBD1-B710-A6CC6EDED5D6}"/>
+              </a:ext>
+            </a:extLst>
+          </p:cNvPr>
+          <p:cNvSpPr>
+            <a:spLocks noGrp="1" noRot="1" noMove="1" noResize="1" noEditPoints="1" noAdjustHandles="1" noChangeArrowheads="1" noChangeShapeType="1"/>
           </p:cNvSpPr>
           <p:nvPr/>
         </p:nvSpPr>
         <p:spPr>
           <a:xfrm>
-            <a:off x="4267200" y="1876425"/>
-            <a:ext cx="242309" cy="242313"/>
+            <a:off x="4305300" y="864394"/>
+            <a:ext cx="228600" cy="222803"/>
           </a:xfrm>
           <a:prstGeom prst="rect">
             <a:avLst/>
           </a:prstGeom>
           <a:solidFill>
-            <a:schemeClr val="bg1"/>
+            <a:srgbClr val="FFC000"/>
           </a:solidFill>
-          <a:ln>
+          <a:ln w="6350">
             <a:solidFill>
               <a:schemeClr val="tx1"/>
             </a:solidFill>
@@ -3568,10 +3517,10 @@
       </p:sp>
       <p:sp>
         <p:nvSpPr>
-          <p:cNvPr id="18" name="Rectangle 17">
-            <a:extLst>
-              <a:ext uri="{FF2B5EF4-FFF2-40B4-BE49-F238E27FC236}">
-                <a16:creationId xmlns:a16="http://schemas.microsoft.com/office/drawing/2014/main" id="{655B3B66-8724-BEFB-86CE-BFE8E2607018}"/>
+          <p:cNvPr id="8" name="Rectangle 7">
+            <a:extLst>
+              <a:ext uri="{FF2B5EF4-FFF2-40B4-BE49-F238E27FC236}">
+                <a16:creationId xmlns:a16="http://schemas.microsoft.com/office/drawing/2014/main" id="{F74A1F13-E992-6DDB-BDB5-3EAF33016305}"/>
               </a:ext>
             </a:extLst>
           </p:cNvPr>
@@ -3582,64 +3531,8 @@
         </p:nvSpPr>
         <p:spPr>
           <a:xfrm>
-            <a:off x="4267200" y="1876425"/>
-            <a:ext cx="230400" cy="230400"/>
-          </a:xfrm>
-          <a:prstGeom prst="rect">
-            <a:avLst/>
-          </a:prstGeom>
-          <a:solidFill>
-            <a:srgbClr val="002060"/>
-          </a:solidFill>
-          <a:ln w="12700">
-            <a:solidFill>
-              <a:srgbClr val="002060"/>
-            </a:solidFill>
-          </a:ln>
-        </p:spPr>
-        <p:style>
-          <a:lnRef idx="2">
-            <a:schemeClr val="accent1">
-              <a:shade val="50000"/>
-            </a:schemeClr>
-          </a:lnRef>
-          <a:fillRef idx="1">
-            <a:schemeClr val="accent1"/>
-          </a:fillRef>
-          <a:effectRef idx="0">
-            <a:schemeClr val="accent1"/>
-          </a:effectRef>
-          <a:fontRef idx="minor">
-            <a:schemeClr val="lt1"/>
-          </a:fontRef>
-        </p:style>
-        <p:txBody>
-          <a:bodyPr rtlCol="0" anchor="ctr"/>
-          <a:lstStyle/>
-          <a:p>
-            <a:pPr algn="ctr"/>
-            <a:endParaRPr lang="en-SG"/>
-          </a:p>
-        </p:txBody>
-      </p:sp>
-      <p:sp>
-        <p:nvSpPr>
-          <p:cNvPr id="19" name="Rectangle 18">
-            <a:extLst>
-              <a:ext uri="{FF2B5EF4-FFF2-40B4-BE49-F238E27FC236}">
-                <a16:creationId xmlns:a16="http://schemas.microsoft.com/office/drawing/2014/main" id="{0A3FC9BD-63C1-0D0B-2AEF-62E8BFB3AE1E}"/>
-              </a:ext>
-            </a:extLst>
-          </p:cNvPr>
-          <p:cNvSpPr>
-            <a:spLocks/>
-          </p:cNvSpPr>
-          <p:nvPr/>
-        </p:nvSpPr>
-        <p:spPr>
-          <a:xfrm>
-            <a:off x="4267200" y="1876425"/>
-            <a:ext cx="54000" cy="54000"/>
+            <a:off x="4314824" y="873918"/>
+            <a:ext cx="53578" cy="52219"/>
           </a:xfrm>
           <a:prstGeom prst="rect">
             <a:avLst/>
@@ -3680,30 +3573,30 @@
       </p:sp>
       <p:sp>
         <p:nvSpPr>
-          <p:cNvPr id="20" name="Rectangle 19">
-            <a:extLst>
-              <a:ext uri="{FF2B5EF4-FFF2-40B4-BE49-F238E27FC236}">
-                <a16:creationId xmlns:a16="http://schemas.microsoft.com/office/drawing/2014/main" id="{8115BDF0-E379-A552-2728-54892B67A446}"/>
-              </a:ext>
-            </a:extLst>
-          </p:cNvPr>
-          <p:cNvSpPr>
-            <a:spLocks/>
+          <p:cNvPr id="9" name="Rectangle 8">
+            <a:extLst>
+              <a:ext uri="{FF2B5EF4-FFF2-40B4-BE49-F238E27FC236}">
+                <a16:creationId xmlns:a16="http://schemas.microsoft.com/office/drawing/2014/main" id="{4758B462-4E2D-6C70-67AF-AC7AFCBFAE68}"/>
+              </a:ext>
+            </a:extLst>
+          </p:cNvPr>
+          <p:cNvSpPr>
+            <a:spLocks noGrp="1" noRot="1" noMove="1" noResize="1" noEditPoints="1" noAdjustHandles="1" noChangeArrowheads="1" noChangeShapeType="1"/>
           </p:cNvSpPr>
           <p:nvPr/>
         </p:nvSpPr>
         <p:spPr>
           <a:xfrm>
-            <a:off x="4267200" y="1622199"/>
-            <a:ext cx="242309" cy="242313"/>
+            <a:off x="4305300" y="1087197"/>
+            <a:ext cx="228600" cy="222803"/>
           </a:xfrm>
           <a:prstGeom prst="rect">
             <a:avLst/>
           </a:prstGeom>
           <a:solidFill>
-            <a:schemeClr val="bg1"/>
+            <a:srgbClr val="92D050"/>
           </a:solidFill>
-          <a:ln>
+          <a:ln w="6350">
             <a:solidFill>
               <a:schemeClr val="tx1"/>
             </a:solidFill>
@@ -3736,10 +3629,10 @@
       </p:sp>
       <p:sp>
         <p:nvSpPr>
-          <p:cNvPr id="21" name="Rectangle 20">
-            <a:extLst>
-              <a:ext uri="{FF2B5EF4-FFF2-40B4-BE49-F238E27FC236}">
-                <a16:creationId xmlns:a16="http://schemas.microsoft.com/office/drawing/2014/main" id="{3E306C02-3375-DF8A-7FF6-32C0EB6F0CD8}"/>
+          <p:cNvPr id="10" name="Rectangle 9">
+            <a:extLst>
+              <a:ext uri="{FF2B5EF4-FFF2-40B4-BE49-F238E27FC236}">
+                <a16:creationId xmlns:a16="http://schemas.microsoft.com/office/drawing/2014/main" id="{5DDA436F-A974-C930-1366-E9C5A08ABDFD}"/>
               </a:ext>
             </a:extLst>
           </p:cNvPr>
@@ -3750,64 +3643,8 @@
         </p:nvSpPr>
         <p:spPr>
           <a:xfrm>
-            <a:off x="4267200" y="1622199"/>
-            <a:ext cx="230400" cy="230400"/>
-          </a:xfrm>
-          <a:prstGeom prst="rect">
-            <a:avLst/>
-          </a:prstGeom>
-          <a:solidFill>
-            <a:srgbClr val="00B0F0"/>
-          </a:solidFill>
-          <a:ln w="12700">
-            <a:solidFill>
-              <a:srgbClr val="00B0F0"/>
-            </a:solidFill>
-          </a:ln>
-        </p:spPr>
-        <p:style>
-          <a:lnRef idx="2">
-            <a:schemeClr val="accent1">
-              <a:shade val="50000"/>
-            </a:schemeClr>
-          </a:lnRef>
-          <a:fillRef idx="1">
-            <a:schemeClr val="accent1"/>
-          </a:fillRef>
-          <a:effectRef idx="0">
-            <a:schemeClr val="accent1"/>
-          </a:effectRef>
-          <a:fontRef idx="minor">
-            <a:schemeClr val="lt1"/>
-          </a:fontRef>
-        </p:style>
-        <p:txBody>
-          <a:bodyPr rtlCol="0" anchor="ctr"/>
-          <a:lstStyle/>
-          <a:p>
-            <a:pPr algn="ctr"/>
-            <a:endParaRPr lang="en-SG"/>
-          </a:p>
-        </p:txBody>
-      </p:sp>
-      <p:sp>
-        <p:nvSpPr>
-          <p:cNvPr id="22" name="Rectangle 21">
-            <a:extLst>
-              <a:ext uri="{FF2B5EF4-FFF2-40B4-BE49-F238E27FC236}">
-                <a16:creationId xmlns:a16="http://schemas.microsoft.com/office/drawing/2014/main" id="{72DDFD51-D3A6-4D85-9FFC-3341CEAEB7D9}"/>
-              </a:ext>
-            </a:extLst>
-          </p:cNvPr>
-          <p:cNvSpPr>
-            <a:spLocks/>
-          </p:cNvSpPr>
-          <p:nvPr/>
-        </p:nvSpPr>
-        <p:spPr>
-          <a:xfrm>
-            <a:off x="4267200" y="1622199"/>
-            <a:ext cx="54000" cy="54000"/>
+            <a:off x="4314824" y="1096721"/>
+            <a:ext cx="53578" cy="52219"/>
           </a:xfrm>
           <a:prstGeom prst="rect">
             <a:avLst/>
@@ -3848,30 +3685,30 @@
       </p:sp>
       <p:sp>
         <p:nvSpPr>
-          <p:cNvPr id="23" name="Rectangle 22">
-            <a:extLst>
-              <a:ext uri="{FF2B5EF4-FFF2-40B4-BE49-F238E27FC236}">
-                <a16:creationId xmlns:a16="http://schemas.microsoft.com/office/drawing/2014/main" id="{05CE05CC-A9FB-7066-FC0A-1F51B3BF7632}"/>
-              </a:ext>
-            </a:extLst>
-          </p:cNvPr>
-          <p:cNvSpPr>
-            <a:spLocks/>
+          <p:cNvPr id="11" name="Rectangle 10">
+            <a:extLst>
+              <a:ext uri="{FF2B5EF4-FFF2-40B4-BE49-F238E27FC236}">
+                <a16:creationId xmlns:a16="http://schemas.microsoft.com/office/drawing/2014/main" id="{BDEE6246-E198-B07A-EEC5-8200960A0292}"/>
+              </a:ext>
+            </a:extLst>
+          </p:cNvPr>
+          <p:cNvSpPr>
+            <a:spLocks noGrp="1" noRot="1" noMove="1" noResize="1" noEditPoints="1" noAdjustHandles="1" noChangeArrowheads="1" noChangeShapeType="1"/>
           </p:cNvSpPr>
           <p:nvPr/>
         </p:nvSpPr>
         <p:spPr>
           <a:xfrm>
-            <a:off x="4267200" y="1369786"/>
-            <a:ext cx="242309" cy="242313"/>
+            <a:off x="4305300" y="1310000"/>
+            <a:ext cx="228600" cy="222803"/>
           </a:xfrm>
           <a:prstGeom prst="rect">
             <a:avLst/>
           </a:prstGeom>
           <a:solidFill>
-            <a:schemeClr val="bg1"/>
+            <a:srgbClr val="00B050"/>
           </a:solidFill>
-          <a:ln>
+          <a:ln w="6350">
             <a:solidFill>
               <a:schemeClr val="tx1"/>
             </a:solidFill>
@@ -3904,10 +3741,10 @@
       </p:sp>
       <p:sp>
         <p:nvSpPr>
-          <p:cNvPr id="24" name="Rectangle 23">
-            <a:extLst>
-              <a:ext uri="{FF2B5EF4-FFF2-40B4-BE49-F238E27FC236}">
-                <a16:creationId xmlns:a16="http://schemas.microsoft.com/office/drawing/2014/main" id="{E6917EA2-E046-8E6C-82C5-A8FC839DA7A2}"/>
+          <p:cNvPr id="12" name="Rectangle 11">
+            <a:extLst>
+              <a:ext uri="{FF2B5EF4-FFF2-40B4-BE49-F238E27FC236}">
+                <a16:creationId xmlns:a16="http://schemas.microsoft.com/office/drawing/2014/main" id="{BE6B608F-529C-E15A-7D9A-8615FA7608D2}"/>
               </a:ext>
             </a:extLst>
           </p:cNvPr>
@@ -3918,64 +3755,8 @@
         </p:nvSpPr>
         <p:spPr>
           <a:xfrm>
-            <a:off x="4267200" y="1369786"/>
-            <a:ext cx="230400" cy="230400"/>
-          </a:xfrm>
-          <a:prstGeom prst="rect">
-            <a:avLst/>
-          </a:prstGeom>
-          <a:solidFill>
-            <a:srgbClr val="00B050"/>
-          </a:solidFill>
-          <a:ln w="12700">
-            <a:solidFill>
-              <a:srgbClr val="00B050"/>
-            </a:solidFill>
-          </a:ln>
-        </p:spPr>
-        <p:style>
-          <a:lnRef idx="2">
-            <a:schemeClr val="accent1">
-              <a:shade val="50000"/>
-            </a:schemeClr>
-          </a:lnRef>
-          <a:fillRef idx="1">
-            <a:schemeClr val="accent1"/>
-          </a:fillRef>
-          <a:effectRef idx="0">
-            <a:schemeClr val="accent1"/>
-          </a:effectRef>
-          <a:fontRef idx="minor">
-            <a:schemeClr val="lt1"/>
-          </a:fontRef>
-        </p:style>
-        <p:txBody>
-          <a:bodyPr rtlCol="0" anchor="ctr"/>
-          <a:lstStyle/>
-          <a:p>
-            <a:pPr algn="ctr"/>
-            <a:endParaRPr lang="en-SG"/>
-          </a:p>
-        </p:txBody>
-      </p:sp>
-      <p:sp>
-        <p:nvSpPr>
-          <p:cNvPr id="25" name="Rectangle 24">
-            <a:extLst>
-              <a:ext uri="{FF2B5EF4-FFF2-40B4-BE49-F238E27FC236}">
-                <a16:creationId xmlns:a16="http://schemas.microsoft.com/office/drawing/2014/main" id="{401D6E21-7C4B-DA8C-BA1A-EA768A81D093}"/>
-              </a:ext>
-            </a:extLst>
-          </p:cNvPr>
-          <p:cNvSpPr>
-            <a:spLocks/>
-          </p:cNvSpPr>
-          <p:nvPr/>
-        </p:nvSpPr>
-        <p:spPr>
-          <a:xfrm>
-            <a:off x="4267200" y="1369786"/>
-            <a:ext cx="54000" cy="54000"/>
+            <a:off x="4314824" y="1319524"/>
+            <a:ext cx="53578" cy="52219"/>
           </a:xfrm>
           <a:prstGeom prst="rect">
             <a:avLst/>
@@ -4016,30 +3797,30 @@
       </p:sp>
       <p:sp>
         <p:nvSpPr>
-          <p:cNvPr id="26" name="Rectangle 25">
-            <a:extLst>
-              <a:ext uri="{FF2B5EF4-FFF2-40B4-BE49-F238E27FC236}">
-                <a16:creationId xmlns:a16="http://schemas.microsoft.com/office/drawing/2014/main" id="{CAA67E66-AEBA-4272-1118-B92FFA14D3DB}"/>
-              </a:ext>
-            </a:extLst>
-          </p:cNvPr>
-          <p:cNvSpPr>
-            <a:spLocks/>
+          <p:cNvPr id="13" name="Rectangle 12">
+            <a:extLst>
+              <a:ext uri="{FF2B5EF4-FFF2-40B4-BE49-F238E27FC236}">
+                <a16:creationId xmlns:a16="http://schemas.microsoft.com/office/drawing/2014/main" id="{5BC10649-E115-DA2F-51D7-6372FA8140C6}"/>
+              </a:ext>
+            </a:extLst>
+          </p:cNvPr>
+          <p:cNvSpPr>
+            <a:spLocks noGrp="1" noRot="1" noMove="1" noResize="1" noEditPoints="1" noAdjustHandles="1" noChangeArrowheads="1" noChangeShapeType="1"/>
           </p:cNvSpPr>
           <p:nvPr/>
         </p:nvSpPr>
         <p:spPr>
           <a:xfrm>
-            <a:off x="4267200" y="1116467"/>
-            <a:ext cx="242309" cy="242313"/>
+            <a:off x="4305300" y="1532803"/>
+            <a:ext cx="228600" cy="222803"/>
           </a:xfrm>
           <a:prstGeom prst="rect">
             <a:avLst/>
           </a:prstGeom>
           <a:solidFill>
-            <a:schemeClr val="bg1"/>
+            <a:srgbClr val="00B0F0"/>
           </a:solidFill>
-          <a:ln>
+          <a:ln w="6350">
             <a:solidFill>
               <a:schemeClr val="tx1"/>
             </a:solidFill>
@@ -4072,10 +3853,10 @@
       </p:sp>
       <p:sp>
         <p:nvSpPr>
-          <p:cNvPr id="27" name="Rectangle 26">
-            <a:extLst>
-              <a:ext uri="{FF2B5EF4-FFF2-40B4-BE49-F238E27FC236}">
-                <a16:creationId xmlns:a16="http://schemas.microsoft.com/office/drawing/2014/main" id="{4C31924E-6894-1EFD-A82D-8A4DA5BCE4F9}"/>
+          <p:cNvPr id="14" name="Rectangle 13">
+            <a:extLst>
+              <a:ext uri="{FF2B5EF4-FFF2-40B4-BE49-F238E27FC236}">
+                <a16:creationId xmlns:a16="http://schemas.microsoft.com/office/drawing/2014/main" id="{75BBC374-4F11-81A1-3373-DA0D35ABE9DE}"/>
               </a:ext>
             </a:extLst>
           </p:cNvPr>
@@ -4086,64 +3867,8 @@
         </p:nvSpPr>
         <p:spPr>
           <a:xfrm>
-            <a:off x="4267200" y="1116467"/>
-            <a:ext cx="230400" cy="230400"/>
-          </a:xfrm>
-          <a:prstGeom prst="rect">
-            <a:avLst/>
-          </a:prstGeom>
-          <a:solidFill>
-            <a:srgbClr val="92D050"/>
-          </a:solidFill>
-          <a:ln w="12700">
-            <a:solidFill>
-              <a:srgbClr val="92D050"/>
-            </a:solidFill>
-          </a:ln>
-        </p:spPr>
-        <p:style>
-          <a:lnRef idx="2">
-            <a:schemeClr val="accent1">
-              <a:shade val="50000"/>
-            </a:schemeClr>
-          </a:lnRef>
-          <a:fillRef idx="1">
-            <a:schemeClr val="accent1"/>
-          </a:fillRef>
-          <a:effectRef idx="0">
-            <a:schemeClr val="accent1"/>
-          </a:effectRef>
-          <a:fontRef idx="minor">
-            <a:schemeClr val="lt1"/>
-          </a:fontRef>
-        </p:style>
-        <p:txBody>
-          <a:bodyPr rtlCol="0" anchor="ctr"/>
-          <a:lstStyle/>
-          <a:p>
-            <a:pPr algn="ctr"/>
-            <a:endParaRPr lang="en-SG"/>
-          </a:p>
-        </p:txBody>
-      </p:sp>
-      <p:sp>
-        <p:nvSpPr>
-          <p:cNvPr id="28" name="Rectangle 27">
-            <a:extLst>
-              <a:ext uri="{FF2B5EF4-FFF2-40B4-BE49-F238E27FC236}">
-                <a16:creationId xmlns:a16="http://schemas.microsoft.com/office/drawing/2014/main" id="{D4CE2714-C54B-65E3-FC32-B23C80A7F136}"/>
-              </a:ext>
-            </a:extLst>
-          </p:cNvPr>
-          <p:cNvSpPr>
-            <a:spLocks/>
-          </p:cNvSpPr>
-          <p:nvPr/>
-        </p:nvSpPr>
-        <p:spPr>
-          <a:xfrm>
-            <a:off x="4267200" y="1116467"/>
-            <a:ext cx="54000" cy="54000"/>
+            <a:off x="4314824" y="1542327"/>
+            <a:ext cx="53578" cy="52219"/>
           </a:xfrm>
           <a:prstGeom prst="rect">
             <a:avLst/>
@@ -4184,30 +3909,30 @@
       </p:sp>
       <p:sp>
         <p:nvSpPr>
-          <p:cNvPr id="29" name="Rectangle 28">
-            <a:extLst>
-              <a:ext uri="{FF2B5EF4-FFF2-40B4-BE49-F238E27FC236}">
-                <a16:creationId xmlns:a16="http://schemas.microsoft.com/office/drawing/2014/main" id="{5277526B-3FE5-A937-FB86-5017A07E2F48}"/>
-              </a:ext>
-            </a:extLst>
-          </p:cNvPr>
-          <p:cNvSpPr>
-            <a:spLocks/>
+          <p:cNvPr id="15" name="Rectangle 14">
+            <a:extLst>
+              <a:ext uri="{FF2B5EF4-FFF2-40B4-BE49-F238E27FC236}">
+                <a16:creationId xmlns:a16="http://schemas.microsoft.com/office/drawing/2014/main" id="{9950A72C-BFD4-D3F9-95BC-FD3AA9FE6AF6}"/>
+              </a:ext>
+            </a:extLst>
+          </p:cNvPr>
+          <p:cNvSpPr>
+            <a:spLocks noGrp="1" noRot="1" noMove="1" noResize="1" noEditPoints="1" noAdjustHandles="1" noChangeArrowheads="1" noChangeShapeType="1"/>
           </p:cNvSpPr>
           <p:nvPr/>
         </p:nvSpPr>
         <p:spPr>
           <a:xfrm>
-            <a:off x="4267200" y="864054"/>
-            <a:ext cx="242309" cy="242313"/>
+            <a:off x="4305300" y="1755606"/>
+            <a:ext cx="228600" cy="222803"/>
           </a:xfrm>
           <a:prstGeom prst="rect">
             <a:avLst/>
           </a:prstGeom>
           <a:solidFill>
-            <a:schemeClr val="bg1"/>
+            <a:srgbClr val="002060"/>
           </a:solidFill>
-          <a:ln>
+          <a:ln w="6350">
             <a:solidFill>
               <a:schemeClr val="tx1"/>
             </a:solidFill>
@@ -4240,10 +3965,10 @@
       </p:sp>
       <p:sp>
         <p:nvSpPr>
-          <p:cNvPr id="30" name="Rectangle 29">
-            <a:extLst>
-              <a:ext uri="{FF2B5EF4-FFF2-40B4-BE49-F238E27FC236}">
-                <a16:creationId xmlns:a16="http://schemas.microsoft.com/office/drawing/2014/main" id="{0759BF7E-0764-D936-82F2-E162271E8653}"/>
+          <p:cNvPr id="16" name="Rectangle 15">
+            <a:extLst>
+              <a:ext uri="{FF2B5EF4-FFF2-40B4-BE49-F238E27FC236}">
+                <a16:creationId xmlns:a16="http://schemas.microsoft.com/office/drawing/2014/main" id="{44D18385-70FA-F06F-4E5C-A3E65FCD19E9}"/>
               </a:ext>
             </a:extLst>
           </p:cNvPr>
@@ -4254,64 +3979,8 @@
         </p:nvSpPr>
         <p:spPr>
           <a:xfrm>
-            <a:off x="4267200" y="864054"/>
-            <a:ext cx="230400" cy="230400"/>
-          </a:xfrm>
-          <a:prstGeom prst="rect">
-            <a:avLst/>
-          </a:prstGeom>
-          <a:solidFill>
-            <a:srgbClr val="FFC000"/>
-          </a:solidFill>
-          <a:ln w="12700">
-            <a:solidFill>
-              <a:srgbClr val="FFC000"/>
-            </a:solidFill>
-          </a:ln>
-        </p:spPr>
-        <p:style>
-          <a:lnRef idx="2">
-            <a:schemeClr val="accent1">
-              <a:shade val="50000"/>
-            </a:schemeClr>
-          </a:lnRef>
-          <a:fillRef idx="1">
-            <a:schemeClr val="accent1"/>
-          </a:fillRef>
-          <a:effectRef idx="0">
-            <a:schemeClr val="accent1"/>
-          </a:effectRef>
-          <a:fontRef idx="minor">
-            <a:schemeClr val="lt1"/>
-          </a:fontRef>
-        </p:style>
-        <p:txBody>
-          <a:bodyPr rtlCol="0" anchor="ctr"/>
-          <a:lstStyle/>
-          <a:p>
-            <a:pPr algn="ctr"/>
-            <a:endParaRPr lang="en-SG"/>
-          </a:p>
-        </p:txBody>
-      </p:sp>
-      <p:sp>
-        <p:nvSpPr>
-          <p:cNvPr id="31" name="Rectangle 30">
-            <a:extLst>
-              <a:ext uri="{FF2B5EF4-FFF2-40B4-BE49-F238E27FC236}">
-                <a16:creationId xmlns:a16="http://schemas.microsoft.com/office/drawing/2014/main" id="{560561F4-7538-964A-36DE-0105D0219BC6}"/>
-              </a:ext>
-            </a:extLst>
-          </p:cNvPr>
-          <p:cNvSpPr>
-            <a:spLocks/>
-          </p:cNvSpPr>
-          <p:nvPr/>
-        </p:nvSpPr>
-        <p:spPr>
-          <a:xfrm>
-            <a:off x="4267200" y="864054"/>
-            <a:ext cx="54000" cy="54000"/>
+            <a:off x="4314824" y="1765130"/>
+            <a:ext cx="53578" cy="52219"/>
           </a:xfrm>
           <a:prstGeom prst="rect">
             <a:avLst/>
@@ -4352,30 +4021,30 @@
       </p:sp>
       <p:sp>
         <p:nvSpPr>
-          <p:cNvPr id="32" name="Rectangle 31">
-            <a:extLst>
-              <a:ext uri="{FF2B5EF4-FFF2-40B4-BE49-F238E27FC236}">
-                <a16:creationId xmlns:a16="http://schemas.microsoft.com/office/drawing/2014/main" id="{F4884801-8367-0699-FEFB-2C6F28D45CE0}"/>
-              </a:ext>
-            </a:extLst>
-          </p:cNvPr>
-          <p:cNvSpPr>
-            <a:spLocks/>
+          <p:cNvPr id="35" name="Rectangle 34">
+            <a:extLst>
+              <a:ext uri="{FF2B5EF4-FFF2-40B4-BE49-F238E27FC236}">
+                <a16:creationId xmlns:a16="http://schemas.microsoft.com/office/drawing/2014/main" id="{C997C164-0583-277B-64E0-30C0F310B123}"/>
+              </a:ext>
+            </a:extLst>
+          </p:cNvPr>
+          <p:cNvSpPr>
+            <a:spLocks noGrp="1" noRot="1" noMove="1" noResize="1" noEditPoints="1" noAdjustHandles="1" noChangeArrowheads="1" noChangeShapeType="1"/>
           </p:cNvSpPr>
           <p:nvPr/>
         </p:nvSpPr>
         <p:spPr>
           <a:xfrm>
-            <a:off x="4267200" y="609829"/>
-            <a:ext cx="242309" cy="242313"/>
+            <a:off x="4305300" y="1978409"/>
+            <a:ext cx="228600" cy="222803"/>
           </a:xfrm>
           <a:prstGeom prst="rect">
             <a:avLst/>
           </a:prstGeom>
           <a:solidFill>
-            <a:schemeClr val="bg1"/>
+            <a:srgbClr val="7030A0"/>
           </a:solidFill>
-          <a:ln>
+          <a:ln w="6350">
             <a:solidFill>
               <a:schemeClr val="tx1"/>
             </a:solidFill>
@@ -4408,10 +4077,10 @@
       </p:sp>
       <p:sp>
         <p:nvSpPr>
-          <p:cNvPr id="33" name="Rectangle 32">
-            <a:extLst>
-              <a:ext uri="{FF2B5EF4-FFF2-40B4-BE49-F238E27FC236}">
-                <a16:creationId xmlns:a16="http://schemas.microsoft.com/office/drawing/2014/main" id="{1F756D80-C885-9CF8-0580-1785647F2FD9}"/>
+          <p:cNvPr id="36" name="Rectangle 35">
+            <a:extLst>
+              <a:ext uri="{FF2B5EF4-FFF2-40B4-BE49-F238E27FC236}">
+                <a16:creationId xmlns:a16="http://schemas.microsoft.com/office/drawing/2014/main" id="{DFFAFD57-B582-B11F-4FF7-ABBA17444544}"/>
               </a:ext>
             </a:extLst>
           </p:cNvPr>
@@ -4422,64 +4091,8 @@
         </p:nvSpPr>
         <p:spPr>
           <a:xfrm>
-            <a:off x="4267200" y="609829"/>
-            <a:ext cx="230400" cy="230400"/>
-          </a:xfrm>
-          <a:prstGeom prst="rect">
-            <a:avLst/>
-          </a:prstGeom>
-          <a:solidFill>
-            <a:srgbClr val="FF0000"/>
-          </a:solidFill>
-          <a:ln w="12700">
-            <a:solidFill>
-              <a:srgbClr val="FF0000"/>
-            </a:solidFill>
-          </a:ln>
-        </p:spPr>
-        <p:style>
-          <a:lnRef idx="2">
-            <a:schemeClr val="accent1">
-              <a:shade val="50000"/>
-            </a:schemeClr>
-          </a:lnRef>
-          <a:fillRef idx="1">
-            <a:schemeClr val="accent1"/>
-          </a:fillRef>
-          <a:effectRef idx="0">
-            <a:schemeClr val="accent1"/>
-          </a:effectRef>
-          <a:fontRef idx="minor">
-            <a:schemeClr val="lt1"/>
-          </a:fontRef>
-        </p:style>
-        <p:txBody>
-          <a:bodyPr rtlCol="0" anchor="ctr"/>
-          <a:lstStyle/>
-          <a:p>
-            <a:pPr algn="ctr"/>
-            <a:endParaRPr lang="en-SG"/>
-          </a:p>
-        </p:txBody>
-      </p:sp>
-      <p:sp>
-        <p:nvSpPr>
-          <p:cNvPr id="34" name="Rectangle 33">
-            <a:extLst>
-              <a:ext uri="{FF2B5EF4-FFF2-40B4-BE49-F238E27FC236}">
-                <a16:creationId xmlns:a16="http://schemas.microsoft.com/office/drawing/2014/main" id="{00CEB352-C208-6F6E-8709-1DFACF056A57}"/>
-              </a:ext>
-            </a:extLst>
-          </p:cNvPr>
-          <p:cNvSpPr>
-            <a:spLocks/>
-          </p:cNvSpPr>
-          <p:nvPr/>
-        </p:nvSpPr>
-        <p:spPr>
-          <a:xfrm>
-            <a:off x="4267200" y="609829"/>
-            <a:ext cx="54000" cy="54000"/>
+            <a:off x="4314824" y="1987933"/>
+            <a:ext cx="53578" cy="52219"/>
           </a:xfrm>
           <a:prstGeom prst="rect">
             <a:avLst/>
